--- a/media-source/different-screen-sizes.pptx
+++ b/media-source/different-screen-sizes.pptx
@@ -259,7 +259,7 @@
           <a:p>
             <a:fld id="{D19EDAA2-6F12-4D4A-9B48-3FD5611C64E3}" type="datetimeFigureOut">
               <a:rPr lang="en-US" smtClean="0"/>
-              <a:t>1/9/2020</a:t>
+              <a:t>3/17/2020</a:t>
             </a:fld>
             <a:endParaRPr lang="en-US"/>
           </a:p>
@@ -457,7 +457,7 @@
           <a:p>
             <a:fld id="{D19EDAA2-6F12-4D4A-9B48-3FD5611C64E3}" type="datetimeFigureOut">
               <a:rPr lang="en-US" smtClean="0"/>
-              <a:t>1/9/2020</a:t>
+              <a:t>3/17/2020</a:t>
             </a:fld>
             <a:endParaRPr lang="en-US"/>
           </a:p>
@@ -665,7 +665,7 @@
           <a:p>
             <a:fld id="{D19EDAA2-6F12-4D4A-9B48-3FD5611C64E3}" type="datetimeFigureOut">
               <a:rPr lang="en-US" smtClean="0"/>
-              <a:t>1/9/2020</a:t>
+              <a:t>3/17/2020</a:t>
             </a:fld>
             <a:endParaRPr lang="en-US"/>
           </a:p>
@@ -863,7 +863,7 @@
           <a:p>
             <a:fld id="{D19EDAA2-6F12-4D4A-9B48-3FD5611C64E3}" type="datetimeFigureOut">
               <a:rPr lang="en-US" smtClean="0"/>
-              <a:t>1/9/2020</a:t>
+              <a:t>3/17/2020</a:t>
             </a:fld>
             <a:endParaRPr lang="en-US"/>
           </a:p>
@@ -1138,7 +1138,7 @@
           <a:p>
             <a:fld id="{D19EDAA2-6F12-4D4A-9B48-3FD5611C64E3}" type="datetimeFigureOut">
               <a:rPr lang="en-US" smtClean="0"/>
-              <a:t>1/9/2020</a:t>
+              <a:t>3/17/2020</a:t>
             </a:fld>
             <a:endParaRPr lang="en-US"/>
           </a:p>
@@ -1403,7 +1403,7 @@
           <a:p>
             <a:fld id="{D19EDAA2-6F12-4D4A-9B48-3FD5611C64E3}" type="datetimeFigureOut">
               <a:rPr lang="en-US" smtClean="0"/>
-              <a:t>1/9/2020</a:t>
+              <a:t>3/17/2020</a:t>
             </a:fld>
             <a:endParaRPr lang="en-US"/>
           </a:p>
@@ -1815,7 +1815,7 @@
           <a:p>
             <a:fld id="{D19EDAA2-6F12-4D4A-9B48-3FD5611C64E3}" type="datetimeFigureOut">
               <a:rPr lang="en-US" smtClean="0"/>
-              <a:t>1/9/2020</a:t>
+              <a:t>3/17/2020</a:t>
             </a:fld>
             <a:endParaRPr lang="en-US"/>
           </a:p>
@@ -1956,7 +1956,7 @@
           <a:p>
             <a:fld id="{D19EDAA2-6F12-4D4A-9B48-3FD5611C64E3}" type="datetimeFigureOut">
               <a:rPr lang="en-US" smtClean="0"/>
-              <a:t>1/9/2020</a:t>
+              <a:t>3/17/2020</a:t>
             </a:fld>
             <a:endParaRPr lang="en-US"/>
           </a:p>
@@ -2069,7 +2069,7 @@
           <a:p>
             <a:fld id="{D19EDAA2-6F12-4D4A-9B48-3FD5611C64E3}" type="datetimeFigureOut">
               <a:rPr lang="en-US" smtClean="0"/>
-              <a:t>1/9/2020</a:t>
+              <a:t>3/17/2020</a:t>
             </a:fld>
             <a:endParaRPr lang="en-US"/>
           </a:p>
@@ -2380,7 +2380,7 @@
           <a:p>
             <a:fld id="{D19EDAA2-6F12-4D4A-9B48-3FD5611C64E3}" type="datetimeFigureOut">
               <a:rPr lang="en-US" smtClean="0"/>
-              <a:t>1/9/2020</a:t>
+              <a:t>3/17/2020</a:t>
             </a:fld>
             <a:endParaRPr lang="en-US"/>
           </a:p>
@@ -2668,7 +2668,7 @@
           <a:p>
             <a:fld id="{D19EDAA2-6F12-4D4A-9B48-3FD5611C64E3}" type="datetimeFigureOut">
               <a:rPr lang="en-US" smtClean="0"/>
-              <a:t>1/9/2020</a:t>
+              <a:t>3/17/2020</a:t>
             </a:fld>
             <a:endParaRPr lang="en-US"/>
           </a:p>
@@ -2909,7 +2909,7 @@
           <a:p>
             <a:fld id="{D19EDAA2-6F12-4D4A-9B48-3FD5611C64E3}" type="datetimeFigureOut">
               <a:rPr lang="en-US" smtClean="0"/>
-              <a:t>1/9/2020</a:t>
+              <a:t>3/17/2020</a:t>
             </a:fld>
             <a:endParaRPr lang="en-US"/>
           </a:p>
@@ -3326,12 +3326,50 @@
           <a:chExt cx="0" cy="0"/>
         </a:xfrm>
       </p:grpSpPr>
+      <p:sp>
+        <p:nvSpPr>
+          <p:cNvPr id="2" name="TextBox 1">
+            <a:extLst>
+              <a:ext uri="{FF2B5EF4-FFF2-40B4-BE49-F238E27FC236}">
+                <a16:creationId xmlns:a16="http://schemas.microsoft.com/office/drawing/2014/main" id="{73FF4957-2E1F-4101-BF1E-99705C9A4272}"/>
+              </a:ext>
+            </a:extLst>
+          </p:cNvPr>
+          <p:cNvSpPr txBox="1"/>
+          <p:nvPr/>
+        </p:nvSpPr>
+        <p:spPr>
+          <a:xfrm>
+            <a:off x="2873570" y="1657055"/>
+            <a:ext cx="7184830" cy="523220"/>
+          </a:xfrm>
+          <a:prstGeom prst="rect">
+            <a:avLst/>
+          </a:prstGeom>
+          <a:noFill/>
+        </p:spPr>
+        <p:txBody>
+          <a:bodyPr wrap="square" rtlCol="0">
+            <a:spAutoFit/>
+          </a:bodyPr>
+          <a:lstStyle/>
+          <a:p>
+            <a:r>
+              <a:rPr lang="en-US" sz="2800" dirty="0">
+                <a:latin typeface="Arial" panose="020B0604020202020204" pitchFamily="34" charset="0"/>
+                <a:cs typeface="Arial" panose="020B0604020202020204" pitchFamily="34" charset="0"/>
+              </a:rPr>
+              <a:t>Dynamics 365 Business Central platforms</a:t>
+            </a:r>
+          </a:p>
+        </p:txBody>
+      </p:sp>
       <p:grpSp>
         <p:nvGrpSpPr>
-          <p:cNvPr id="9" name="Group 8">
-            <a:extLst>
-              <a:ext uri="{FF2B5EF4-FFF2-40B4-BE49-F238E27FC236}">
-                <a16:creationId xmlns:a16="http://schemas.microsoft.com/office/drawing/2014/main" id="{EBB3BDC2-6425-4EC0-9FC7-EB1D1F26C8D7}"/>
+          <p:cNvPr id="23" name="Group 22">
+            <a:extLst>
+              <a:ext uri="{FF2B5EF4-FFF2-40B4-BE49-F238E27FC236}">
+                <a16:creationId xmlns:a16="http://schemas.microsoft.com/office/drawing/2014/main" id="{D91BA42D-07C6-4114-881F-510158C2BA42}"/>
               </a:ext>
             </a:extLst>
           </p:cNvPr>
@@ -3340,10 +3378,107 @@
         </p:nvGrpSpPr>
         <p:grpSpPr>
           <a:xfrm>
-            <a:off x="1649068" y="1507958"/>
-            <a:ext cx="3094969" cy="2378486"/>
-            <a:chOff x="709612" y="1347787"/>
-            <a:chExt cx="5019675" cy="3857625"/>
+            <a:off x="9485443" y="2481068"/>
+            <a:ext cx="1872947" cy="3091385"/>
+            <a:chOff x="7259558" y="1782259"/>
+            <a:chExt cx="1274842" cy="2104185"/>
+          </a:xfrm>
+        </p:grpSpPr>
+        <p:pic>
+          <p:nvPicPr>
+            <p:cNvPr id="1030" name="Picture 6" descr="Image result for SMARTPHONE">
+              <a:extLst>
+                <a:ext uri="{FF2B5EF4-FFF2-40B4-BE49-F238E27FC236}">
+                  <a16:creationId xmlns:a16="http://schemas.microsoft.com/office/drawing/2014/main" id="{B285E30B-037B-4273-8095-FBDC38EEB046}"/>
+                </a:ext>
+              </a:extLst>
+            </p:cNvPr>
+            <p:cNvPicPr>
+              <a:picLocks noChangeAspect="1" noChangeArrowheads="1"/>
+            </p:cNvPicPr>
+            <p:nvPr/>
+          </p:nvPicPr>
+          <p:blipFill>
+            <a:blip r:embed="rId2">
+              <a:extLst>
+                <a:ext uri="{28A0092B-C50C-407E-A947-70E740481C1C}">
+                  <a14:useLocalDpi xmlns:a14="http://schemas.microsoft.com/office/drawing/2010/main" val="0"/>
+                </a:ext>
+              </a:extLst>
+            </a:blip>
+            <a:srcRect/>
+            <a:stretch>
+              <a:fillRect/>
+            </a:stretch>
+          </p:blipFill>
+          <p:spPr bwMode="auto">
+            <a:xfrm>
+              <a:off x="7259558" y="1782259"/>
+              <a:ext cx="1274842" cy="2104185"/>
+            </a:xfrm>
+            <a:prstGeom prst="rect">
+              <a:avLst/>
+            </a:prstGeom>
+            <a:noFill/>
+            <a:extLst>
+              <a:ext uri="{909E8E84-426E-40DD-AFC4-6F175D3DCCD1}">
+                <a14:hiddenFill xmlns:a14="http://schemas.microsoft.com/office/drawing/2010/main">
+                  <a:solidFill>
+                    <a:srgbClr val="FFFFFF"/>
+                  </a:solidFill>
+                </a14:hiddenFill>
+              </a:ext>
+            </a:extLst>
+          </p:spPr>
+        </p:pic>
+        <p:pic>
+          <p:nvPicPr>
+            <p:cNvPr id="22" name="Picture 21">
+              <a:extLst>
+                <a:ext uri="{FF2B5EF4-FFF2-40B4-BE49-F238E27FC236}">
+                  <a16:creationId xmlns:a16="http://schemas.microsoft.com/office/drawing/2014/main" id="{750246F6-422C-4484-9E02-01B722D8CD27}"/>
+                </a:ext>
+              </a:extLst>
+            </p:cNvPr>
+            <p:cNvPicPr>
+              <a:picLocks noChangeAspect="1"/>
+            </p:cNvPicPr>
+            <p:nvPr/>
+          </p:nvPicPr>
+          <p:blipFill rotWithShape="1">
+            <a:blip r:embed="rId3"/>
+            <a:srcRect r="5870"/>
+            <a:stretch/>
+          </p:blipFill>
+          <p:spPr>
+            <a:xfrm>
+              <a:off x="7528957" y="2187874"/>
+              <a:ext cx="736270" cy="1326675"/>
+            </a:xfrm>
+            <a:prstGeom prst="rect">
+              <a:avLst/>
+            </a:prstGeom>
+          </p:spPr>
+        </p:pic>
+      </p:grpSp>
+      <p:grpSp>
+        <p:nvGrpSpPr>
+          <p:cNvPr id="1035" name="Group 1034">
+            <a:extLst>
+              <a:ext uri="{FF2B5EF4-FFF2-40B4-BE49-F238E27FC236}">
+                <a16:creationId xmlns:a16="http://schemas.microsoft.com/office/drawing/2014/main" id="{F76B94E8-CE16-4AAF-B00F-EF85C0213D7E}"/>
+              </a:ext>
+            </a:extLst>
+          </p:cNvPr>
+          <p:cNvGrpSpPr/>
+          <p:nvPr/>
+        </p:nvGrpSpPr>
+        <p:grpSpPr>
+          <a:xfrm>
+            <a:off x="718173" y="2132790"/>
+            <a:ext cx="4623390" cy="3553080"/>
+            <a:chOff x="583522" y="2187874"/>
+            <a:chExt cx="4623390" cy="3553080"/>
           </a:xfrm>
         </p:grpSpPr>
         <p:pic>
@@ -3361,15 +3496,15 @@
             <p:nvPr/>
           </p:nvPicPr>
           <p:blipFill>
-            <a:blip r:embed="rId2"/>
+            <a:blip r:embed="rId4"/>
             <a:stretch>
               <a:fillRect/>
             </a:stretch>
           </p:blipFill>
           <p:spPr>
             <a:xfrm>
-              <a:off x="709612" y="1347787"/>
-              <a:ext cx="5019675" cy="3857625"/>
+              <a:off x="583522" y="2187874"/>
+              <a:ext cx="4623390" cy="3553080"/>
             </a:xfrm>
             <a:prstGeom prst="rect">
               <a:avLst/>
@@ -3378,10 +3513,10 @@
         </p:pic>
         <p:pic>
           <p:nvPicPr>
-            <p:cNvPr id="7" name="Picture 6">
+            <p:cNvPr id="1029" name="Picture 1028">
               <a:extLst>
                 <a:ext uri="{FF2B5EF4-FFF2-40B4-BE49-F238E27FC236}">
-                  <a16:creationId xmlns:a16="http://schemas.microsoft.com/office/drawing/2014/main" id="{EE61CF38-6BE6-4BBC-8EEB-343FFF329D1F}"/>
+                  <a16:creationId xmlns:a16="http://schemas.microsoft.com/office/drawing/2014/main" id="{51A372CA-8ECC-477E-A524-C37BE8DF6360}"/>
                 </a:ext>
               </a:extLst>
             </p:cNvPr>
@@ -3391,15 +3526,15 @@
             <p:nvPr/>
           </p:nvPicPr>
           <p:blipFill>
-            <a:blip r:embed="rId3"/>
+            <a:blip r:embed="rId5"/>
             <a:stretch>
               <a:fillRect/>
             </a:stretch>
           </p:blipFill>
           <p:spPr>
             <a:xfrm>
-              <a:off x="1428749" y="2024062"/>
-              <a:ext cx="3543301" cy="2347913"/>
+              <a:off x="1222443" y="2789460"/>
+              <a:ext cx="3327059" cy="2212198"/>
             </a:xfrm>
             <a:prstGeom prst="rect">
               <a:avLst/>
@@ -3409,10 +3544,10 @@
       </p:grpSp>
       <p:grpSp>
         <p:nvGrpSpPr>
-          <p:cNvPr id="12" name="Group 11">
-            <a:extLst>
-              <a:ext uri="{FF2B5EF4-FFF2-40B4-BE49-F238E27FC236}">
-                <a16:creationId xmlns:a16="http://schemas.microsoft.com/office/drawing/2014/main" id="{70B7F5BB-D5AE-4E7F-BB23-0C0F6EEAE5A7}"/>
+          <p:cNvPr id="1034" name="Group 1033">
+            <a:extLst>
+              <a:ext uri="{FF2B5EF4-FFF2-40B4-BE49-F238E27FC236}">
+                <a16:creationId xmlns:a16="http://schemas.microsoft.com/office/drawing/2014/main" id="{FE463C7C-1081-435E-9167-07D87F8DB3E2}"/>
               </a:ext>
             </a:extLst>
           </p:cNvPr>
@@ -3421,10 +3556,10 @@
         </p:nvGrpSpPr>
         <p:grpSpPr>
           <a:xfrm>
-            <a:off x="4791029" y="2013223"/>
-            <a:ext cx="2337371" cy="1663187"/>
-            <a:chOff x="5197293" y="1878575"/>
-            <a:chExt cx="3008244" cy="2140555"/>
+            <a:off x="5616904" y="2895042"/>
+            <a:ext cx="3448706" cy="2453972"/>
+            <a:chOff x="5845833" y="2153286"/>
+            <a:chExt cx="5388593" cy="3834324"/>
           </a:xfrm>
         </p:grpSpPr>
         <p:pic>
@@ -3442,15 +3577,15 @@
             <p:nvPr/>
           </p:nvPicPr>
           <p:blipFill>
-            <a:blip r:embed="rId4"/>
+            <a:blip r:embed="rId6"/>
             <a:stretch>
               <a:fillRect/>
             </a:stretch>
           </p:blipFill>
           <p:spPr>
             <a:xfrm>
-              <a:off x="5197293" y="1878575"/>
-              <a:ext cx="3008244" cy="2140555"/>
+              <a:off x="5845833" y="2153286"/>
+              <a:ext cx="5388593" cy="3834324"/>
             </a:xfrm>
             <a:prstGeom prst="rect">
               <a:avLst/>
@@ -3459,10 +3594,10 @@
         </p:pic>
         <p:pic>
           <p:nvPicPr>
-            <p:cNvPr id="11" name="Picture 10" descr="A screenshot of a cell phone&#10;&#10;Description automatically generated">
+            <p:cNvPr id="1033" name="Picture 1032">
               <a:extLst>
                 <a:ext uri="{FF2B5EF4-FFF2-40B4-BE49-F238E27FC236}">
-                  <a16:creationId xmlns:a16="http://schemas.microsoft.com/office/drawing/2014/main" id="{9E300952-795E-4F7B-8E1A-7411BDE714CC}"/>
+                  <a16:creationId xmlns:a16="http://schemas.microsoft.com/office/drawing/2014/main" id="{A7AB848F-C079-4893-AFD5-0B8A5A7DE4BC}"/>
                 </a:ext>
               </a:extLst>
             </p:cNvPr>
@@ -3472,21 +3607,15 @@
             <p:nvPr/>
           </p:nvPicPr>
           <p:blipFill>
-            <a:blip r:embed="rId5">
-              <a:extLst>
-                <a:ext uri="{28A0092B-C50C-407E-A947-70E740481C1C}">
-                  <a14:useLocalDpi xmlns:a14="http://schemas.microsoft.com/office/drawing/2010/main" val="0"/>
-                </a:ext>
-              </a:extLst>
-            </a:blip>
+            <a:blip r:embed="rId7"/>
             <a:stretch>
               <a:fillRect/>
             </a:stretch>
           </p:blipFill>
           <p:spPr>
             <a:xfrm>
-              <a:off x="5430252" y="2101851"/>
-              <a:ext cx="2481847" cy="1663700"/>
+              <a:off x="6269807" y="2473285"/>
+              <a:ext cx="4467406" cy="3097891"/>
             </a:xfrm>
             <a:prstGeom prst="rect">
               <a:avLst/>
@@ -3494,148 +3623,6 @@
           </p:spPr>
         </p:pic>
       </p:grpSp>
-      <p:grpSp>
-        <p:nvGrpSpPr>
-          <p:cNvPr id="15" name="Group 14">
-            <a:extLst>
-              <a:ext uri="{FF2B5EF4-FFF2-40B4-BE49-F238E27FC236}">
-                <a16:creationId xmlns:a16="http://schemas.microsoft.com/office/drawing/2014/main" id="{3341DD17-4934-41FA-8F41-EFE19FFF8CA4}"/>
-              </a:ext>
-            </a:extLst>
-          </p:cNvPr>
-          <p:cNvGrpSpPr/>
-          <p:nvPr/>
-        </p:nvGrpSpPr>
-        <p:grpSpPr>
-          <a:xfrm>
-            <a:off x="7259558" y="1782259"/>
-            <a:ext cx="1274842" cy="2104185"/>
-            <a:chOff x="8591550" y="1803786"/>
-            <a:chExt cx="1657350" cy="2762250"/>
-          </a:xfrm>
-        </p:grpSpPr>
-        <p:pic>
-          <p:nvPicPr>
-            <p:cNvPr id="1030" name="Picture 6" descr="Image result for SMARTPHONE">
-              <a:extLst>
-                <a:ext uri="{FF2B5EF4-FFF2-40B4-BE49-F238E27FC236}">
-                  <a16:creationId xmlns:a16="http://schemas.microsoft.com/office/drawing/2014/main" id="{B285E30B-037B-4273-8095-FBDC38EEB046}"/>
-                </a:ext>
-              </a:extLst>
-            </p:cNvPr>
-            <p:cNvPicPr>
-              <a:picLocks noChangeAspect="1" noChangeArrowheads="1"/>
-            </p:cNvPicPr>
-            <p:nvPr/>
-          </p:nvPicPr>
-          <p:blipFill>
-            <a:blip r:embed="rId6">
-              <a:extLst>
-                <a:ext uri="{28A0092B-C50C-407E-A947-70E740481C1C}">
-                  <a14:useLocalDpi xmlns:a14="http://schemas.microsoft.com/office/drawing/2010/main" val="0"/>
-                </a:ext>
-              </a:extLst>
-            </a:blip>
-            <a:srcRect/>
-            <a:stretch>
-              <a:fillRect/>
-            </a:stretch>
-          </p:blipFill>
-          <p:spPr bwMode="auto">
-            <a:xfrm>
-              <a:off x="8591550" y="1803786"/>
-              <a:ext cx="1657350" cy="2762250"/>
-            </a:xfrm>
-            <a:prstGeom prst="rect">
-              <a:avLst/>
-            </a:prstGeom>
-            <a:noFill/>
-            <a:extLst>
-              <a:ext uri="{909E8E84-426E-40DD-AFC4-6F175D3DCCD1}">
-                <a14:hiddenFill xmlns:a14="http://schemas.microsoft.com/office/drawing/2010/main">
-                  <a:solidFill>
-                    <a:srgbClr val="FFFFFF"/>
-                  </a:solidFill>
-                </a14:hiddenFill>
-              </a:ext>
-            </a:extLst>
-          </p:spPr>
-        </p:pic>
-        <p:pic>
-          <p:nvPicPr>
-            <p:cNvPr id="14" name="Picture 13" descr="A screenshot of a cell phone&#10;&#10;Description automatically generated">
-              <a:extLst>
-                <a:ext uri="{FF2B5EF4-FFF2-40B4-BE49-F238E27FC236}">
-                  <a16:creationId xmlns:a16="http://schemas.microsoft.com/office/drawing/2014/main" id="{4975005E-5134-4083-BF58-3254D581B53D}"/>
-                </a:ext>
-              </a:extLst>
-            </p:cNvPr>
-            <p:cNvPicPr>
-              <a:picLocks noChangeAspect="1"/>
-            </p:cNvPicPr>
-            <p:nvPr/>
-          </p:nvPicPr>
-          <p:blipFill>
-            <a:blip r:embed="rId7">
-              <a:extLst>
-                <a:ext uri="{28A0092B-C50C-407E-A947-70E740481C1C}">
-                  <a14:useLocalDpi xmlns:a14="http://schemas.microsoft.com/office/drawing/2010/main" val="0"/>
-                </a:ext>
-              </a:extLst>
-            </a:blip>
-            <a:stretch>
-              <a:fillRect/>
-            </a:stretch>
-          </p:blipFill>
-          <p:spPr>
-            <a:xfrm>
-              <a:off x="8934450" y="2330450"/>
-              <a:ext cx="984250" cy="1771650"/>
-            </a:xfrm>
-            <a:prstGeom prst="rect">
-              <a:avLst/>
-            </a:prstGeom>
-          </p:spPr>
-        </p:pic>
-      </p:grpSp>
-      <p:sp>
-        <p:nvSpPr>
-          <p:cNvPr id="2" name="TextBox 1">
-            <a:extLst>
-              <a:ext uri="{FF2B5EF4-FFF2-40B4-BE49-F238E27FC236}">
-                <a16:creationId xmlns:a16="http://schemas.microsoft.com/office/drawing/2014/main" id="{73FF4957-2E1F-4101-BF1E-99705C9A4272}"/>
-              </a:ext>
-            </a:extLst>
-          </p:cNvPr>
-          <p:cNvSpPr txBox="1"/>
-          <p:nvPr/>
-        </p:nvSpPr>
-        <p:spPr>
-          <a:xfrm>
-            <a:off x="1911078" y="1194519"/>
-            <a:ext cx="4943982" cy="400110"/>
-          </a:xfrm>
-          <a:prstGeom prst="rect">
-            <a:avLst/>
-          </a:prstGeom>
-          <a:noFill/>
-        </p:spPr>
-        <p:txBody>
-          <a:bodyPr wrap="none" rtlCol="0">
-            <a:spAutoFit/>
-          </a:bodyPr>
-          <a:lstStyle/>
-          <a:p>
-            <a:r>
-              <a:rPr lang="en-US" sz="2000" dirty="0">
-                <a:latin typeface="Arial" panose="020B0604020202020204" pitchFamily="34" charset="0"/>
-                <a:cs typeface="Arial" panose="020B0604020202020204" pitchFamily="34" charset="0"/>
-              </a:rPr>
-              <a:t>Dynamics 365 Business Central platforms</a:t>
-            </a:r>
-          </a:p>
-        </p:txBody>
-      </p:sp>
     </p:spTree>
     <p:extLst>
       <p:ext uri="{BB962C8B-B14F-4D97-AF65-F5344CB8AC3E}">
